--- a/less-8-函数2.pptx
+++ b/less-8-函数2.pptx
@@ -128,7 +128,7 @@
   </p:defaultTextStyle>
   <p:extLst>
     <p:ext uri="{EFAFB233-063F-42B5-8137-9DF3F51BA10A}">
-      <p15:sldGuideLst xmlns="" xmlns:p15="http://schemas.microsoft.com/office/powerpoint/2012/main">
+      <p15:sldGuideLst xmlns:p15="http://schemas.microsoft.com/office/powerpoint/2012/main" xmlns="">
         <p15:guide id="1" orient="horz" pos="2160">
           <p15:clr>
             <a:srgbClr val="A4A3A4"/>
@@ -227,7 +227,7 @@
           <a:p>
             <a:fld id="{918C987C-5DAD-4601-B625-55A3208473B0}" type="datetimeFigureOut">
               <a:rPr lang="zh-CN" altLang="en-US" smtClean="0"/>
-              <a:t>2018/12/13</a:t>
+              <a:t>2018/12/24</a:t>
             </a:fld>
             <a:endParaRPr lang="zh-CN" altLang="en-US"/>
           </a:p>
@@ -676,7 +676,7 @@
           <a:p>
             <a:fld id="{17C7C8FB-1C37-4023-AA22-09D5A8E13DCF}" type="datetimeFigureOut">
               <a:rPr lang="zh-CN" altLang="en-US" smtClean="0"/>
-              <a:t>2018/12/13</a:t>
+              <a:t>2018/12/24</a:t>
             </a:fld>
             <a:endParaRPr lang="zh-CN" altLang="en-US"/>
           </a:p>
@@ -846,7 +846,7 @@
           <a:p>
             <a:fld id="{17C7C8FB-1C37-4023-AA22-09D5A8E13DCF}" type="datetimeFigureOut">
               <a:rPr lang="zh-CN" altLang="en-US" smtClean="0"/>
-              <a:t>2018/12/13</a:t>
+              <a:t>2018/12/24</a:t>
             </a:fld>
             <a:endParaRPr lang="zh-CN" altLang="en-US"/>
           </a:p>
@@ -1026,7 +1026,7 @@
           <a:p>
             <a:fld id="{17C7C8FB-1C37-4023-AA22-09D5A8E13DCF}" type="datetimeFigureOut">
               <a:rPr lang="zh-CN" altLang="en-US" smtClean="0"/>
-              <a:t>2018/12/13</a:t>
+              <a:t>2018/12/24</a:t>
             </a:fld>
             <a:endParaRPr lang="zh-CN" altLang="en-US"/>
           </a:p>
@@ -1196,7 +1196,7 @@
           <a:p>
             <a:fld id="{17C7C8FB-1C37-4023-AA22-09D5A8E13DCF}" type="datetimeFigureOut">
               <a:rPr lang="zh-CN" altLang="en-US" smtClean="0"/>
-              <a:t>2018/12/13</a:t>
+              <a:t>2018/12/24</a:t>
             </a:fld>
             <a:endParaRPr lang="zh-CN" altLang="en-US"/>
           </a:p>
@@ -1442,7 +1442,7 @@
           <a:p>
             <a:fld id="{17C7C8FB-1C37-4023-AA22-09D5A8E13DCF}" type="datetimeFigureOut">
               <a:rPr lang="zh-CN" altLang="en-US" smtClean="0"/>
-              <a:t>2018/12/13</a:t>
+              <a:t>2018/12/24</a:t>
             </a:fld>
             <a:endParaRPr lang="zh-CN" altLang="en-US"/>
           </a:p>
@@ -1730,7 +1730,7 @@
           <a:p>
             <a:fld id="{17C7C8FB-1C37-4023-AA22-09D5A8E13DCF}" type="datetimeFigureOut">
               <a:rPr lang="zh-CN" altLang="en-US" smtClean="0"/>
-              <a:t>2018/12/13</a:t>
+              <a:t>2018/12/24</a:t>
             </a:fld>
             <a:endParaRPr lang="zh-CN" altLang="en-US"/>
           </a:p>
@@ -2152,7 +2152,7 @@
           <a:p>
             <a:fld id="{17C7C8FB-1C37-4023-AA22-09D5A8E13DCF}" type="datetimeFigureOut">
               <a:rPr lang="zh-CN" altLang="en-US" smtClean="0"/>
-              <a:t>2018/12/13</a:t>
+              <a:t>2018/12/24</a:t>
             </a:fld>
             <a:endParaRPr lang="zh-CN" altLang="en-US"/>
           </a:p>
@@ -2270,7 +2270,7 @@
           <a:p>
             <a:fld id="{17C7C8FB-1C37-4023-AA22-09D5A8E13DCF}" type="datetimeFigureOut">
               <a:rPr lang="zh-CN" altLang="en-US" smtClean="0"/>
-              <a:t>2018/12/13</a:t>
+              <a:t>2018/12/24</a:t>
             </a:fld>
             <a:endParaRPr lang="zh-CN" altLang="en-US"/>
           </a:p>
@@ -2365,7 +2365,7 @@
           <a:p>
             <a:fld id="{17C7C8FB-1C37-4023-AA22-09D5A8E13DCF}" type="datetimeFigureOut">
               <a:rPr lang="zh-CN" altLang="en-US" smtClean="0"/>
-              <a:t>2018/12/13</a:t>
+              <a:t>2018/12/24</a:t>
             </a:fld>
             <a:endParaRPr lang="zh-CN" altLang="en-US"/>
           </a:p>
@@ -2642,7 +2642,7 @@
           <a:p>
             <a:fld id="{17C7C8FB-1C37-4023-AA22-09D5A8E13DCF}" type="datetimeFigureOut">
               <a:rPr lang="zh-CN" altLang="en-US" smtClean="0"/>
-              <a:t>2018/12/13</a:t>
+              <a:t>2018/12/24</a:t>
             </a:fld>
             <a:endParaRPr lang="zh-CN" altLang="en-US"/>
           </a:p>
@@ -2895,7 +2895,7 @@
           <a:p>
             <a:fld id="{17C7C8FB-1C37-4023-AA22-09D5A8E13DCF}" type="datetimeFigureOut">
               <a:rPr lang="zh-CN" altLang="en-US" smtClean="0"/>
-              <a:t>2018/12/13</a:t>
+              <a:t>2018/12/24</a:t>
             </a:fld>
             <a:endParaRPr lang="zh-CN" altLang="en-US"/>
           </a:p>
@@ -3108,7 +3108,7 @@
           <a:p>
             <a:fld id="{17C7C8FB-1C37-4023-AA22-09D5A8E13DCF}" type="datetimeFigureOut">
               <a:rPr lang="zh-CN" altLang="en-US" smtClean="0"/>
-              <a:t>2018/12/13</a:t>
+              <a:t>2018/12/24</a:t>
             </a:fld>
             <a:endParaRPr lang="zh-CN" altLang="en-US"/>
           </a:p>
@@ -3890,8 +3890,18 @@
                 <a:latin typeface="微软雅黑" pitchFamily="34" charset="-122"/>
                 <a:ea typeface="微软雅黑" pitchFamily="34" charset="-122"/>
               </a:rPr>
-              <a:t>)/</a:t>
-            </a:r>
+              <a:t>)</a:t>
+            </a:r>
+            <a:endParaRPr lang="en-US" altLang="zh-CN" sz="2400" dirty="0" smtClean="0">
+              <a:solidFill>
+                <a:schemeClr val="tx1">
+                  <a:lumMod val="75000"/>
+                  <a:lumOff val="25000"/>
+                </a:schemeClr>
+              </a:solidFill>
+              <a:latin typeface="微软雅黑" pitchFamily="34" charset="-122"/>
+              <a:ea typeface="微软雅黑" pitchFamily="34" charset="-122"/>
+            </a:endParaRPr>
           </a:p>
           <a:p>
             <a:pPr>
@@ -3910,7 +3920,20 @@
                 <a:latin typeface="微软雅黑" pitchFamily="34" charset="-122"/>
                 <a:ea typeface="微软雅黑" pitchFamily="34" charset="-122"/>
               </a:rPr>
-              <a:t>	</a:t>
+              <a:t>	mix(#</a:t>
+            </a:r>
+            <a:r>
+              <a:rPr lang="en-US" altLang="zh-CN" sz="2400" dirty="0" smtClean="0">
+                <a:solidFill>
+                  <a:schemeClr val="tx1">
+                    <a:lumMod val="75000"/>
+                    <a:lumOff val="25000"/>
+                  </a:schemeClr>
+                </a:solidFill>
+                <a:latin typeface="微软雅黑" pitchFamily="34" charset="-122"/>
+                <a:ea typeface="微软雅黑" pitchFamily="34" charset="-122"/>
+              </a:rPr>
+              <a:t>000, </a:t>
             </a:r>
             <a:r>
               <a:rPr lang="en-US" altLang="zh-CN" sz="2400" dirty="0">
@@ -3923,46 +3946,7 @@
                 <a:latin typeface="微软雅黑" pitchFamily="34" charset="-122"/>
                 <a:ea typeface="微软雅黑" pitchFamily="34" charset="-122"/>
               </a:rPr>
-              <a:t>mix(#</a:t>
-            </a:r>
-            <a:r>
-              <a:rPr lang="en-US" altLang="zh-CN" sz="2400" dirty="0" smtClean="0">
-                <a:solidFill>
-                  <a:schemeClr val="tx1">
-                    <a:lumMod val="75000"/>
-                    <a:lumOff val="25000"/>
-                  </a:schemeClr>
-                </a:solidFill>
-                <a:latin typeface="微软雅黑" pitchFamily="34" charset="-122"/>
-                <a:ea typeface="微软雅黑" pitchFamily="34" charset="-122"/>
-              </a:rPr>
-              <a:t>000, </a:t>
-            </a:r>
-            <a:r>
-              <a:rPr lang="en-US" altLang="zh-CN" sz="2400" dirty="0">
-                <a:solidFill>
-                  <a:schemeClr val="tx1">
-                    <a:lumMod val="75000"/>
-                    <a:lumOff val="25000"/>
-                  </a:schemeClr>
-                </a:solidFill>
-                <a:latin typeface="微软雅黑" pitchFamily="34" charset="-122"/>
-                <a:ea typeface="微软雅黑" pitchFamily="34" charset="-122"/>
-              </a:rPr>
-              <a:t>@color, @weight)</a:t>
-            </a:r>
-            <a:r>
-              <a:rPr lang="en-US" altLang="zh-CN" sz="2400" dirty="0">
-                <a:solidFill>
-                  <a:schemeClr val="tx1">
-                    <a:lumMod val="75000"/>
-                    <a:lumOff val="25000"/>
-                  </a:schemeClr>
-                </a:solidFill>
-                <a:latin typeface="微软雅黑" pitchFamily="34" charset="-122"/>
-                <a:ea typeface="微软雅黑" pitchFamily="34" charset="-122"/>
-              </a:rPr>
-              <a:t>	</a:t>
+              <a:t>@color, @weight)	</a:t>
             </a:r>
           </a:p>
         </p:txBody>
@@ -5280,16 +5264,6 @@
               </a:rPr>
               <a:t>		</a:t>
             </a:r>
-            <a:endParaRPr lang="en-US" altLang="zh-CN" sz="2400" dirty="0" smtClean="0">
-              <a:solidFill>
-                <a:schemeClr val="tx1">
-                  <a:lumMod val="75000"/>
-                  <a:lumOff val="25000"/>
-                </a:schemeClr>
-              </a:solidFill>
-              <a:latin typeface="微软雅黑" pitchFamily="34" charset="-122"/>
-              <a:ea typeface="微软雅黑" pitchFamily="34" charset="-122"/>
-            </a:endParaRPr>
           </a:p>
         </p:txBody>
       </p:sp>
@@ -5674,16 +5648,6 @@
               </a:rPr>
               <a:t>.	</a:t>
             </a:r>
-            <a:endParaRPr lang="en-US" altLang="zh-CN" sz="2400" dirty="0" smtClean="0">
-              <a:solidFill>
-                <a:schemeClr val="tx1">
-                  <a:lumMod val="75000"/>
-                  <a:lumOff val="25000"/>
-                </a:schemeClr>
-              </a:solidFill>
-              <a:latin typeface="微软雅黑" pitchFamily="34" charset="-122"/>
-              <a:ea typeface="微软雅黑" pitchFamily="34" charset="-122"/>
-            </a:endParaRPr>
           </a:p>
         </p:txBody>
       </p:sp>
@@ -5745,6 +5709,16 @@
           <a:prstGeom prst="rect">
             <a:avLst/>
           </a:prstGeom>
+          <a:ln>
+            <a:noFill/>
+          </a:ln>
+          <a:effectLst>
+            <a:outerShdw blurRad="292100" dist="139700" dir="2700000" algn="tl" rotWithShape="0">
+              <a:srgbClr val="333333">
+                <a:alpha val="65000"/>
+              </a:srgbClr>
+            </a:outerShdw>
+          </a:effectLst>
         </p:spPr>
       </p:pic>
       <p:pic>
@@ -5775,6 +5749,16 @@
           <a:prstGeom prst="rect">
             <a:avLst/>
           </a:prstGeom>
+          <a:ln>
+            <a:noFill/>
+          </a:ln>
+          <a:effectLst>
+            <a:outerShdw blurRad="292100" dist="139700" dir="2700000" algn="tl" rotWithShape="0">
+              <a:srgbClr val="333333">
+                <a:alpha val="65000"/>
+              </a:srgbClr>
+            </a:outerShdw>
+          </a:effectLst>
         </p:spPr>
       </p:pic>
       <p:sp>
@@ -6000,16 +5984,6 @@
               </a:rPr>
               <a:t>.</a:t>
             </a:r>
-            <a:endParaRPr lang="en-US" altLang="zh-CN" sz="2400" dirty="0" smtClean="0">
-              <a:solidFill>
-                <a:schemeClr val="tx1">
-                  <a:lumMod val="75000"/>
-                  <a:lumOff val="25000"/>
-                </a:schemeClr>
-              </a:solidFill>
-              <a:latin typeface="微软雅黑" pitchFamily="34" charset="-122"/>
-              <a:ea typeface="微软雅黑" pitchFamily="34" charset="-122"/>
-            </a:endParaRPr>
           </a:p>
         </p:txBody>
       </p:sp>
@@ -6738,6 +6712,16 @@
           <a:prstGeom prst="rect">
             <a:avLst/>
           </a:prstGeom>
+          <a:ln>
+            <a:noFill/>
+          </a:ln>
+          <a:effectLst>
+            <a:outerShdw blurRad="292100" dist="139700" dir="2700000" algn="tl" rotWithShape="0">
+              <a:srgbClr val="333333">
+                <a:alpha val="65000"/>
+              </a:srgbClr>
+            </a:outerShdw>
+          </a:effectLst>
         </p:spPr>
       </p:pic>
       <p:sp>
@@ -7264,6 +7248,16 @@
           <a:prstGeom prst="rect">
             <a:avLst/>
           </a:prstGeom>
+          <a:ln>
+            <a:noFill/>
+          </a:ln>
+          <a:effectLst>
+            <a:outerShdw blurRad="292100" dist="139700" dir="2700000" algn="tl" rotWithShape="0">
+              <a:srgbClr val="333333">
+                <a:alpha val="65000"/>
+              </a:srgbClr>
+            </a:outerShdw>
+          </a:effectLst>
         </p:spPr>
       </p:pic>
       <p:sp>
@@ -7808,6 +7802,16 @@
           <a:prstGeom prst="rect">
             <a:avLst/>
           </a:prstGeom>
+          <a:ln>
+            <a:noFill/>
+          </a:ln>
+          <a:effectLst>
+            <a:outerShdw blurRad="292100" dist="139700" dir="2700000" algn="tl" rotWithShape="0">
+              <a:srgbClr val="333333">
+                <a:alpha val="65000"/>
+              </a:srgbClr>
+            </a:outerShdw>
+          </a:effectLst>
         </p:spPr>
       </p:pic>
       <p:pic>
@@ -7838,6 +7842,16 @@
           <a:prstGeom prst="rect">
             <a:avLst/>
           </a:prstGeom>
+          <a:ln>
+            <a:noFill/>
+          </a:ln>
+          <a:effectLst>
+            <a:outerShdw blurRad="292100" dist="139700" dir="2700000" algn="tl" rotWithShape="0">
+              <a:srgbClr val="333333">
+                <a:alpha val="65000"/>
+              </a:srgbClr>
+            </a:outerShdw>
+          </a:effectLst>
         </p:spPr>
       </p:pic>
       <p:sp>
@@ -7978,20 +7992,7 @@
                 <a:latin typeface="微软雅黑" pitchFamily="34" charset="-122"/>
                 <a:ea typeface="微软雅黑" pitchFamily="34" charset="-122"/>
               </a:rPr>
-              <a:t>颜色</a:t>
-            </a:r>
-            <a:r>
-              <a:rPr lang="zh-CN" altLang="en-US" sz="2800" b="1" dirty="0" smtClean="0">
-                <a:solidFill>
-                  <a:schemeClr val="tx1">
-                    <a:lumMod val="75000"/>
-                    <a:lumOff val="25000"/>
-                  </a:schemeClr>
-                </a:solidFill>
-                <a:latin typeface="微软雅黑" pitchFamily="34" charset="-122"/>
-                <a:ea typeface="微软雅黑" pitchFamily="34" charset="-122"/>
-              </a:rPr>
-              <a:t>通道提取函数</a:t>
+              <a:t>颜色通道提取函数</a:t>
             </a:r>
             <a:endParaRPr lang="zh-CN" altLang="en-US" sz="2800" b="1" dirty="0">
               <a:solidFill>
@@ -8117,20 +8118,7 @@
                 <a:latin typeface="微软雅黑" pitchFamily="34" charset="-122"/>
                 <a:ea typeface="微软雅黑" pitchFamily="34" charset="-122"/>
               </a:rPr>
-              <a:t> s</a:t>
-            </a:r>
-            <a:r>
-              <a:rPr lang="en-US" altLang="zh-CN" sz="2400" dirty="0" smtClean="0">
-                <a:solidFill>
-                  <a:schemeClr val="tx1">
-                    <a:lumMod val="75000"/>
-                    <a:lumOff val="25000"/>
-                  </a:schemeClr>
-                </a:solidFill>
-                <a:latin typeface="微软雅黑" pitchFamily="34" charset="-122"/>
-                <a:ea typeface="微软雅黑" pitchFamily="34" charset="-122"/>
-              </a:rPr>
-              <a:t>aturation() 		</a:t>
+              <a:t> saturation() 		</a:t>
             </a:r>
             <a:r>
               <a:rPr lang="zh-CN" altLang="en-US" sz="2400" dirty="0" smtClean="0">
@@ -8382,16 +8370,6 @@
               </a:rPr>
               <a:t>									</a:t>
             </a:r>
-            <a:endParaRPr lang="en-US" altLang="zh-CN" sz="2400" dirty="0" smtClean="0">
-              <a:solidFill>
-                <a:schemeClr val="tx1">
-                  <a:lumMod val="75000"/>
-                  <a:lumOff val="25000"/>
-                </a:schemeClr>
-              </a:solidFill>
-              <a:latin typeface="微软雅黑" pitchFamily="34" charset="-122"/>
-              <a:ea typeface="微软雅黑" pitchFamily="34" charset="-122"/>
-            </a:endParaRPr>
           </a:p>
         </p:txBody>
       </p:sp>
@@ -8789,16 +8767,6 @@
               </a:rPr>
               <a:t>		</a:t>
             </a:r>
-            <a:endParaRPr lang="en-US" altLang="zh-CN" sz="2400" dirty="0" smtClean="0">
-              <a:solidFill>
-                <a:schemeClr val="tx1">
-                  <a:lumMod val="75000"/>
-                  <a:lumOff val="25000"/>
-                </a:schemeClr>
-              </a:solidFill>
-              <a:latin typeface="微软雅黑" pitchFamily="34" charset="-122"/>
-              <a:ea typeface="微软雅黑" pitchFamily="34" charset="-122"/>
-            </a:endParaRPr>
           </a:p>
         </p:txBody>
       </p:sp>
@@ -9096,16 +9064,6 @@
               </a:rPr>
               <a:t>	</a:t>
             </a:r>
-            <a:endParaRPr lang="en-US" altLang="zh-CN" sz="2400" dirty="0" smtClean="0">
-              <a:solidFill>
-                <a:schemeClr val="tx1">
-                  <a:lumMod val="75000"/>
-                  <a:lumOff val="25000"/>
-                </a:schemeClr>
-              </a:solidFill>
-              <a:latin typeface="微软雅黑" pitchFamily="34" charset="-122"/>
-              <a:ea typeface="微软雅黑" pitchFamily="34" charset="-122"/>
-            </a:endParaRPr>
           </a:p>
         </p:txBody>
       </p:sp>
@@ -9429,16 +9387,6 @@
               </a:rPr>
               <a:t>	</a:t>
             </a:r>
-            <a:endParaRPr lang="en-US" altLang="zh-CN" sz="2400" dirty="0" smtClean="0">
-              <a:solidFill>
-                <a:schemeClr val="tx1">
-                  <a:lumMod val="75000"/>
-                  <a:lumOff val="25000"/>
-                </a:schemeClr>
-              </a:solidFill>
-              <a:latin typeface="微软雅黑" pitchFamily="34" charset="-122"/>
-              <a:ea typeface="微软雅黑" pitchFamily="34" charset="-122"/>
-            </a:endParaRPr>
           </a:p>
         </p:txBody>
       </p:sp>
@@ -9710,16 +9658,6 @@
               </a:rPr>
               <a:t>	</a:t>
             </a:r>
-            <a:endParaRPr lang="en-US" altLang="zh-CN" sz="2400" dirty="0" smtClean="0">
-              <a:solidFill>
-                <a:schemeClr val="tx1">
-                  <a:lumMod val="75000"/>
-                  <a:lumOff val="25000"/>
-                </a:schemeClr>
-              </a:solidFill>
-              <a:latin typeface="微软雅黑" pitchFamily="34" charset="-122"/>
-              <a:ea typeface="微软雅黑" pitchFamily="34" charset="-122"/>
-            </a:endParaRPr>
           </a:p>
         </p:txBody>
       </p:sp>
@@ -9991,16 +9929,6 @@
               </a:rPr>
               <a:t>	</a:t>
             </a:r>
-            <a:endParaRPr lang="en-US" altLang="zh-CN" sz="2400" dirty="0" smtClean="0">
-              <a:solidFill>
-                <a:schemeClr val="tx1">
-                  <a:lumMod val="75000"/>
-                  <a:lumOff val="25000"/>
-                </a:schemeClr>
-              </a:solidFill>
-              <a:latin typeface="微软雅黑" pitchFamily="34" charset="-122"/>
-              <a:ea typeface="微软雅黑" pitchFamily="34" charset="-122"/>
-            </a:endParaRPr>
           </a:p>
         </p:txBody>
       </p:sp>
@@ -10716,7 +10644,7 @@
   <a:extraClrSchemeLst/>
   <a:extLst>
     <a:ext uri="{05A4C25C-085E-4340-85A3-A5531E510DB2}">
-      <thm15:themeFamily xmlns="" xmlns:thm15="http://schemas.microsoft.com/office/thememl/2012/main" name="Office Theme" id="{62F939B6-93AF-4DB8-9C6B-D6C7DFDC589F}" vid="{4A3C46E8-61CC-4603-A589-7422A47A8E4A}"/>
+      <thm15:themeFamily xmlns:thm15="http://schemas.microsoft.com/office/thememl/2012/main" xmlns="" name="Office Theme" id="{62F939B6-93AF-4DB8-9C6B-D6C7DFDC589F}" vid="{4A3C46E8-61CC-4603-A589-7422A47A8E4A}"/>
     </a:ext>
   </a:extLst>
 </a:theme>
